--- a/TRAYCER.pptx
+++ b/TRAYCER.pptx
@@ -22,6 +22,8 @@
     <p:sldId id="268" r:id="rId16"/>
     <p:sldId id="269" r:id="rId17"/>
     <p:sldId id="270" r:id="rId18"/>
+    <p:sldId id="273" r:id="rId19"/>
+    <p:sldId id="274" r:id="rId20"/>
   </p:sldIdLst>
   <p:sldSz cx="12192000" cy="6858000"/>
   <p:notesSz cx="6858000" cy="9144000"/>
@@ -120,6 +122,11 @@
       </a:defRPr>
     </a:lvl9pPr>
   </p:defaultTextStyle>
+  <p:extLst>
+    <p:ext uri="{EFAFB233-063F-42B5-8137-9DF3F51BA10A}">
+      <p15:sldGuideLst xmlns:p15="http://schemas.microsoft.com/office/powerpoint/2012/main"/>
+    </p:ext>
+  </p:extLst>
 </p:presentation>
 </file>
 
@@ -272,7 +279,7 @@
           <a:p>
             <a:fld id="{40A9C8A2-EA97-4F2A-9A1D-B33689E33B46}" type="datetimeFigureOut">
               <a:rPr lang="en-IN" smtClean="0"/>
-              <a:t>02-04-2025</a:t>
+              <a:t>07-04-2025</a:t>
             </a:fld>
             <a:endParaRPr lang="en-IN"/>
           </a:p>
@@ -472,7 +479,7 @@
           <a:p>
             <a:fld id="{40A9C8A2-EA97-4F2A-9A1D-B33689E33B46}" type="datetimeFigureOut">
               <a:rPr lang="en-IN" smtClean="0"/>
-              <a:t>02-04-2025</a:t>
+              <a:t>07-04-2025</a:t>
             </a:fld>
             <a:endParaRPr lang="en-IN"/>
           </a:p>
@@ -682,7 +689,7 @@
           <a:p>
             <a:fld id="{40A9C8A2-EA97-4F2A-9A1D-B33689E33B46}" type="datetimeFigureOut">
               <a:rPr lang="en-IN" smtClean="0"/>
-              <a:t>02-04-2025</a:t>
+              <a:t>07-04-2025</a:t>
             </a:fld>
             <a:endParaRPr lang="en-IN"/>
           </a:p>
@@ -882,7 +889,7 @@
           <a:p>
             <a:fld id="{40A9C8A2-EA97-4F2A-9A1D-B33689E33B46}" type="datetimeFigureOut">
               <a:rPr lang="en-IN" smtClean="0"/>
-              <a:t>02-04-2025</a:t>
+              <a:t>07-04-2025</a:t>
             </a:fld>
             <a:endParaRPr lang="en-IN"/>
           </a:p>
@@ -1158,7 +1165,7 @@
           <a:p>
             <a:fld id="{40A9C8A2-EA97-4F2A-9A1D-B33689E33B46}" type="datetimeFigureOut">
               <a:rPr lang="en-IN" smtClean="0"/>
-              <a:t>02-04-2025</a:t>
+              <a:t>07-04-2025</a:t>
             </a:fld>
             <a:endParaRPr lang="en-IN"/>
           </a:p>
@@ -1426,7 +1433,7 @@
           <a:p>
             <a:fld id="{40A9C8A2-EA97-4F2A-9A1D-B33689E33B46}" type="datetimeFigureOut">
               <a:rPr lang="en-IN" smtClean="0"/>
-              <a:t>02-04-2025</a:t>
+              <a:t>07-04-2025</a:t>
             </a:fld>
             <a:endParaRPr lang="en-IN"/>
           </a:p>
@@ -1841,7 +1848,7 @@
           <a:p>
             <a:fld id="{40A9C8A2-EA97-4F2A-9A1D-B33689E33B46}" type="datetimeFigureOut">
               <a:rPr lang="en-IN" smtClean="0"/>
-              <a:t>02-04-2025</a:t>
+              <a:t>07-04-2025</a:t>
             </a:fld>
             <a:endParaRPr lang="en-IN"/>
           </a:p>
@@ -1983,7 +1990,7 @@
           <a:p>
             <a:fld id="{40A9C8A2-EA97-4F2A-9A1D-B33689E33B46}" type="datetimeFigureOut">
               <a:rPr lang="en-IN" smtClean="0"/>
-              <a:t>02-04-2025</a:t>
+              <a:t>07-04-2025</a:t>
             </a:fld>
             <a:endParaRPr lang="en-IN"/>
           </a:p>
@@ -2096,7 +2103,7 @@
           <a:p>
             <a:fld id="{40A9C8A2-EA97-4F2A-9A1D-B33689E33B46}" type="datetimeFigureOut">
               <a:rPr lang="en-IN" smtClean="0"/>
-              <a:t>02-04-2025</a:t>
+              <a:t>07-04-2025</a:t>
             </a:fld>
             <a:endParaRPr lang="en-IN"/>
           </a:p>
@@ -2409,7 +2416,7 @@
           <a:p>
             <a:fld id="{40A9C8A2-EA97-4F2A-9A1D-B33689E33B46}" type="datetimeFigureOut">
               <a:rPr lang="en-IN" smtClean="0"/>
-              <a:t>02-04-2025</a:t>
+              <a:t>07-04-2025</a:t>
             </a:fld>
             <a:endParaRPr lang="en-IN"/>
           </a:p>
@@ -2698,7 +2705,7 @@
           <a:p>
             <a:fld id="{40A9C8A2-EA97-4F2A-9A1D-B33689E33B46}" type="datetimeFigureOut">
               <a:rPr lang="en-IN" smtClean="0"/>
-              <a:t>02-04-2025</a:t>
+              <a:t>07-04-2025</a:t>
             </a:fld>
             <a:endParaRPr lang="en-IN"/>
           </a:p>
@@ -2941,7 +2948,7 @@
           <a:p>
             <a:fld id="{40A9C8A2-EA97-4F2A-9A1D-B33689E33B46}" type="datetimeFigureOut">
               <a:rPr lang="en-IN" smtClean="0"/>
-              <a:t>02-04-2025</a:t>
+              <a:t>07-04-2025</a:t>
             </a:fld>
             <a:endParaRPr lang="en-IN"/>
           </a:p>
@@ -4237,6 +4244,126 @@
     <p:extLst>
       <p:ext uri="{BB962C8B-B14F-4D97-AF65-F5344CB8AC3E}">
         <p14:creationId xmlns:p14="http://schemas.microsoft.com/office/powerpoint/2010/main" val="2677382501"/>
+      </p:ext>
+    </p:extLst>
+  </p:cSld>
+  <p:clrMapOvr>
+    <a:masterClrMapping/>
+  </p:clrMapOvr>
+</p:sld>
+</file>
+
+<file path=ppt/slides/slide18.xml><?xml version="1.0" encoding="utf-8"?>
+<p:sld xmlns:a="http://schemas.openxmlformats.org/drawingml/2006/main" xmlns:r="http://schemas.openxmlformats.org/officeDocument/2006/relationships" xmlns:p="http://schemas.openxmlformats.org/presentationml/2006/main">
+  <p:cSld>
+    <p:spTree>
+      <p:nvGrpSpPr>
+        <p:cNvPr id="1" name=""/>
+        <p:cNvGrpSpPr/>
+        <p:nvPr/>
+      </p:nvGrpSpPr>
+      <p:grpSpPr>
+        <a:xfrm>
+          <a:off x="0" y="0"/>
+          <a:ext cx="0" cy="0"/>
+          <a:chOff x="0" y="0"/>
+          <a:chExt cx="0" cy="0"/>
+        </a:xfrm>
+      </p:grpSpPr>
+      <p:pic>
+        <p:nvPicPr>
+          <p:cNvPr id="5" name="Picture 4">
+            <a:extLst>
+              <a:ext uri="{FF2B5EF4-FFF2-40B4-BE49-F238E27FC236}">
+                <a16:creationId xmlns:a16="http://schemas.microsoft.com/office/drawing/2014/main" id="{F0C42C6D-C82F-A02D-A061-FBA9FC30F4AD}"/>
+              </a:ext>
+            </a:extLst>
+          </p:cNvPr>
+          <p:cNvPicPr>
+            <a:picLocks noChangeAspect="1"/>
+          </p:cNvPicPr>
+          <p:nvPr/>
+        </p:nvPicPr>
+        <p:blipFill>
+          <a:blip r:embed="rId2"/>
+          <a:stretch>
+            <a:fillRect/>
+          </a:stretch>
+        </p:blipFill>
+        <p:spPr>
+          <a:xfrm>
+            <a:off x="920484" y="253837"/>
+            <a:ext cx="10351032" cy="6350326"/>
+          </a:xfrm>
+          <a:prstGeom prst="rect">
+            <a:avLst/>
+          </a:prstGeom>
+        </p:spPr>
+      </p:pic>
+    </p:spTree>
+    <p:extLst>
+      <p:ext uri="{BB962C8B-B14F-4D97-AF65-F5344CB8AC3E}">
+        <p14:creationId xmlns:p14="http://schemas.microsoft.com/office/powerpoint/2010/main" val="2855491790"/>
+      </p:ext>
+    </p:extLst>
+  </p:cSld>
+  <p:clrMapOvr>
+    <a:masterClrMapping/>
+  </p:clrMapOvr>
+</p:sld>
+</file>
+
+<file path=ppt/slides/slide19.xml><?xml version="1.0" encoding="utf-8"?>
+<p:sld xmlns:a="http://schemas.openxmlformats.org/drawingml/2006/main" xmlns:r="http://schemas.openxmlformats.org/officeDocument/2006/relationships" xmlns:p="http://schemas.openxmlformats.org/presentationml/2006/main">
+  <p:cSld>
+    <p:spTree>
+      <p:nvGrpSpPr>
+        <p:cNvPr id="1" name=""/>
+        <p:cNvGrpSpPr/>
+        <p:nvPr/>
+      </p:nvGrpSpPr>
+      <p:grpSpPr>
+        <a:xfrm>
+          <a:off x="0" y="0"/>
+          <a:ext cx="0" cy="0"/>
+          <a:chOff x="0" y="0"/>
+          <a:chExt cx="0" cy="0"/>
+        </a:xfrm>
+      </p:grpSpPr>
+      <p:pic>
+        <p:nvPicPr>
+          <p:cNvPr id="6" name="Picture 5">
+            <a:extLst>
+              <a:ext uri="{FF2B5EF4-FFF2-40B4-BE49-F238E27FC236}">
+                <a16:creationId xmlns:a16="http://schemas.microsoft.com/office/drawing/2014/main" id="{B0D5488A-E453-3669-91FE-5AE14FEE20BF}"/>
+              </a:ext>
+            </a:extLst>
+          </p:cNvPr>
+          <p:cNvPicPr>
+            <a:picLocks noChangeAspect="1"/>
+          </p:cNvPicPr>
+          <p:nvPr/>
+        </p:nvPicPr>
+        <p:blipFill>
+          <a:blip r:embed="rId2"/>
+          <a:stretch>
+            <a:fillRect/>
+          </a:stretch>
+        </p:blipFill>
+        <p:spPr>
+          <a:xfrm>
+            <a:off x="787127" y="447522"/>
+            <a:ext cx="10617746" cy="5962956"/>
+          </a:xfrm>
+          <a:prstGeom prst="rect">
+            <a:avLst/>
+          </a:prstGeom>
+        </p:spPr>
+      </p:pic>
+    </p:spTree>
+    <p:extLst>
+      <p:ext uri="{BB962C8B-B14F-4D97-AF65-F5344CB8AC3E}">
+        <p14:creationId xmlns:p14="http://schemas.microsoft.com/office/powerpoint/2010/main" val="3532771057"/>
       </p:ext>
     </p:extLst>
   </p:cSld>

--- a/TRAYCER.pptx
+++ b/TRAYCER.pptx
@@ -12,18 +12,23 @@
     <p:sldId id="260" r:id="rId6"/>
     <p:sldId id="261" r:id="rId7"/>
     <p:sldId id="271" r:id="rId8"/>
-    <p:sldId id="272" r:id="rId9"/>
-    <p:sldId id="262" r:id="rId10"/>
-    <p:sldId id="263" r:id="rId11"/>
-    <p:sldId id="264" r:id="rId12"/>
-    <p:sldId id="265" r:id="rId13"/>
-    <p:sldId id="266" r:id="rId14"/>
-    <p:sldId id="267" r:id="rId15"/>
-    <p:sldId id="268" r:id="rId16"/>
-    <p:sldId id="269" r:id="rId17"/>
-    <p:sldId id="270" r:id="rId18"/>
-    <p:sldId id="273" r:id="rId19"/>
-    <p:sldId id="274" r:id="rId20"/>
+    <p:sldId id="275" r:id="rId9"/>
+    <p:sldId id="272" r:id="rId10"/>
+    <p:sldId id="262" r:id="rId11"/>
+    <p:sldId id="263" r:id="rId12"/>
+    <p:sldId id="264" r:id="rId13"/>
+    <p:sldId id="265" r:id="rId14"/>
+    <p:sldId id="266" r:id="rId15"/>
+    <p:sldId id="267" r:id="rId16"/>
+    <p:sldId id="268" r:id="rId17"/>
+    <p:sldId id="269" r:id="rId18"/>
+    <p:sldId id="270" r:id="rId19"/>
+    <p:sldId id="273" r:id="rId20"/>
+    <p:sldId id="274" r:id="rId21"/>
+    <p:sldId id="276" r:id="rId22"/>
+    <p:sldId id="277" r:id="rId23"/>
+    <p:sldId id="278" r:id="rId24"/>
+    <p:sldId id="279" r:id="rId25"/>
   </p:sldIdLst>
   <p:sldSz cx="12192000" cy="6858000"/>
   <p:notesSz cx="6858000" cy="9144000"/>
@@ -279,7 +284,7 @@
           <a:p>
             <a:fld id="{40A9C8A2-EA97-4F2A-9A1D-B33689E33B46}" type="datetimeFigureOut">
               <a:rPr lang="en-IN" smtClean="0"/>
-              <a:t>07-04-2025</a:t>
+              <a:t>14-04-2025</a:t>
             </a:fld>
             <a:endParaRPr lang="en-IN"/>
           </a:p>
@@ -479,7 +484,7 @@
           <a:p>
             <a:fld id="{40A9C8A2-EA97-4F2A-9A1D-B33689E33B46}" type="datetimeFigureOut">
               <a:rPr lang="en-IN" smtClean="0"/>
-              <a:t>07-04-2025</a:t>
+              <a:t>14-04-2025</a:t>
             </a:fld>
             <a:endParaRPr lang="en-IN"/>
           </a:p>
@@ -689,7 +694,7 @@
           <a:p>
             <a:fld id="{40A9C8A2-EA97-4F2A-9A1D-B33689E33B46}" type="datetimeFigureOut">
               <a:rPr lang="en-IN" smtClean="0"/>
-              <a:t>07-04-2025</a:t>
+              <a:t>14-04-2025</a:t>
             </a:fld>
             <a:endParaRPr lang="en-IN"/>
           </a:p>
@@ -889,7 +894,7 @@
           <a:p>
             <a:fld id="{40A9C8A2-EA97-4F2A-9A1D-B33689E33B46}" type="datetimeFigureOut">
               <a:rPr lang="en-IN" smtClean="0"/>
-              <a:t>07-04-2025</a:t>
+              <a:t>14-04-2025</a:t>
             </a:fld>
             <a:endParaRPr lang="en-IN"/>
           </a:p>
@@ -1165,7 +1170,7 @@
           <a:p>
             <a:fld id="{40A9C8A2-EA97-4F2A-9A1D-B33689E33B46}" type="datetimeFigureOut">
               <a:rPr lang="en-IN" smtClean="0"/>
-              <a:t>07-04-2025</a:t>
+              <a:t>14-04-2025</a:t>
             </a:fld>
             <a:endParaRPr lang="en-IN"/>
           </a:p>
@@ -1433,7 +1438,7 @@
           <a:p>
             <a:fld id="{40A9C8A2-EA97-4F2A-9A1D-B33689E33B46}" type="datetimeFigureOut">
               <a:rPr lang="en-IN" smtClean="0"/>
-              <a:t>07-04-2025</a:t>
+              <a:t>14-04-2025</a:t>
             </a:fld>
             <a:endParaRPr lang="en-IN"/>
           </a:p>
@@ -1848,7 +1853,7 @@
           <a:p>
             <a:fld id="{40A9C8A2-EA97-4F2A-9A1D-B33689E33B46}" type="datetimeFigureOut">
               <a:rPr lang="en-IN" smtClean="0"/>
-              <a:t>07-04-2025</a:t>
+              <a:t>14-04-2025</a:t>
             </a:fld>
             <a:endParaRPr lang="en-IN"/>
           </a:p>
@@ -1990,7 +1995,7 @@
           <a:p>
             <a:fld id="{40A9C8A2-EA97-4F2A-9A1D-B33689E33B46}" type="datetimeFigureOut">
               <a:rPr lang="en-IN" smtClean="0"/>
-              <a:t>07-04-2025</a:t>
+              <a:t>14-04-2025</a:t>
             </a:fld>
             <a:endParaRPr lang="en-IN"/>
           </a:p>
@@ -2103,7 +2108,7 @@
           <a:p>
             <a:fld id="{40A9C8A2-EA97-4F2A-9A1D-B33689E33B46}" type="datetimeFigureOut">
               <a:rPr lang="en-IN" smtClean="0"/>
-              <a:t>07-04-2025</a:t>
+              <a:t>14-04-2025</a:t>
             </a:fld>
             <a:endParaRPr lang="en-IN"/>
           </a:p>
@@ -2416,7 +2421,7 @@
           <a:p>
             <a:fld id="{40A9C8A2-EA97-4F2A-9A1D-B33689E33B46}" type="datetimeFigureOut">
               <a:rPr lang="en-IN" smtClean="0"/>
-              <a:t>07-04-2025</a:t>
+              <a:t>14-04-2025</a:t>
             </a:fld>
             <a:endParaRPr lang="en-IN"/>
           </a:p>
@@ -2705,7 +2710,7 @@
           <a:p>
             <a:fld id="{40A9C8A2-EA97-4F2A-9A1D-B33689E33B46}" type="datetimeFigureOut">
               <a:rPr lang="en-IN" smtClean="0"/>
-              <a:t>07-04-2025</a:t>
+              <a:t>14-04-2025</a:t>
             </a:fld>
             <a:endParaRPr lang="en-IN"/>
           </a:p>
@@ -2948,7 +2953,7 @@
           <a:p>
             <a:fld id="{40A9C8A2-EA97-4F2A-9A1D-B33689E33B46}" type="datetimeFigureOut">
               <a:rPr lang="en-IN" smtClean="0"/>
-              <a:t>07-04-2025</a:t>
+              <a:t>14-04-2025</a:t>
             </a:fld>
             <a:endParaRPr lang="en-IN"/>
           </a:p>
@@ -3430,6 +3435,116 @@
           <a:chExt cx="0" cy="0"/>
         </a:xfrm>
       </p:grpSpPr>
+      <p:sp>
+        <p:nvSpPr>
+          <p:cNvPr id="2" name="Title 1">
+            <a:extLst>
+              <a:ext uri="{FF2B5EF4-FFF2-40B4-BE49-F238E27FC236}">
+                <a16:creationId xmlns:a16="http://schemas.microsoft.com/office/drawing/2014/main" id="{00857F86-6C81-3C0D-1179-218D8669600F}"/>
+              </a:ext>
+            </a:extLst>
+          </p:cNvPr>
+          <p:cNvSpPr>
+            <a:spLocks noGrp="1"/>
+          </p:cNvSpPr>
+          <p:nvPr>
+            <p:ph type="title"/>
+          </p:nvPr>
+        </p:nvSpPr>
+        <p:spPr/>
+        <p:txBody>
+          <a:bodyPr/>
+          <a:lstStyle/>
+          <a:p>
+            <a:endParaRPr lang="en-IN" dirty="0"/>
+          </a:p>
+        </p:txBody>
+      </p:sp>
+      <p:sp>
+        <p:nvSpPr>
+          <p:cNvPr id="3" name="Content Placeholder 2">
+            <a:extLst>
+              <a:ext uri="{FF2B5EF4-FFF2-40B4-BE49-F238E27FC236}">
+                <a16:creationId xmlns:a16="http://schemas.microsoft.com/office/drawing/2014/main" id="{2A0185E3-4F14-E05A-57AE-A01EE65B3DDC}"/>
+              </a:ext>
+            </a:extLst>
+          </p:cNvPr>
+          <p:cNvSpPr>
+            <a:spLocks noGrp="1"/>
+          </p:cNvSpPr>
+          <p:nvPr>
+            <p:ph idx="1"/>
+          </p:nvPr>
+        </p:nvSpPr>
+        <p:spPr/>
+        <p:txBody>
+          <a:bodyPr/>
+          <a:lstStyle/>
+          <a:p>
+            <a:endParaRPr lang="en-IN"/>
+          </a:p>
+        </p:txBody>
+      </p:sp>
+      <p:pic>
+        <p:nvPicPr>
+          <p:cNvPr id="5" name="Picture 4">
+            <a:extLst>
+              <a:ext uri="{FF2B5EF4-FFF2-40B4-BE49-F238E27FC236}">
+                <a16:creationId xmlns:a16="http://schemas.microsoft.com/office/drawing/2014/main" id="{28020672-8103-6BBF-80F7-CD508A141516}"/>
+              </a:ext>
+            </a:extLst>
+          </p:cNvPr>
+          <p:cNvPicPr>
+            <a:picLocks noChangeAspect="1"/>
+          </p:cNvPicPr>
+          <p:nvPr/>
+        </p:nvPicPr>
+        <p:blipFill>
+          <a:blip r:embed="rId2"/>
+          <a:stretch>
+            <a:fillRect/>
+          </a:stretch>
+        </p:blipFill>
+        <p:spPr>
+          <a:xfrm>
+            <a:off x="838200" y="338833"/>
+            <a:ext cx="10637520" cy="6131974"/>
+          </a:xfrm>
+          <a:prstGeom prst="rect">
+            <a:avLst/>
+          </a:prstGeom>
+        </p:spPr>
+      </p:pic>
+    </p:spTree>
+    <p:extLst>
+      <p:ext uri="{BB962C8B-B14F-4D97-AF65-F5344CB8AC3E}">
+        <p14:creationId xmlns:p14="http://schemas.microsoft.com/office/powerpoint/2010/main" val="2328600088"/>
+      </p:ext>
+    </p:extLst>
+  </p:cSld>
+  <p:clrMapOvr>
+    <a:masterClrMapping/>
+  </p:clrMapOvr>
+</p:sld>
+</file>
+
+<file path=ppt/slides/slide11.xml><?xml version="1.0" encoding="utf-8"?>
+<p:sld xmlns:a="http://schemas.openxmlformats.org/drawingml/2006/main" xmlns:r="http://schemas.openxmlformats.org/officeDocument/2006/relationships" xmlns:p="http://schemas.openxmlformats.org/presentationml/2006/main">
+  <p:cSld>
+    <p:spTree>
+      <p:nvGrpSpPr>
+        <p:cNvPr id="1" name=""/>
+        <p:cNvGrpSpPr/>
+        <p:nvPr/>
+      </p:nvGrpSpPr>
+      <p:grpSpPr>
+        <a:xfrm>
+          <a:off x="0" y="0"/>
+          <a:ext cx="0" cy="0"/>
+          <a:chOff x="0" y="0"/>
+          <a:chExt cx="0" cy="0"/>
+        </a:xfrm>
+      </p:grpSpPr>
       <p:pic>
         <p:nvPicPr>
           <p:cNvPr id="5" name="Picture 4">
@@ -3473,7 +3588,7 @@
 </p:sld>
 </file>
 
-<file path=ppt/slides/slide11.xml><?xml version="1.0" encoding="utf-8"?>
+<file path=ppt/slides/slide12.xml><?xml version="1.0" encoding="utf-8"?>
 <p:sld xmlns:a="http://schemas.openxmlformats.org/drawingml/2006/main" xmlns:r="http://schemas.openxmlformats.org/officeDocument/2006/relationships" xmlns:p="http://schemas.openxmlformats.org/presentationml/2006/main">
   <p:cSld>
     <p:spTree>
@@ -3533,7 +3648,7 @@
 </p:sld>
 </file>
 
-<file path=ppt/slides/slide12.xml><?xml version="1.0" encoding="utf-8"?>
+<file path=ppt/slides/slide13.xml><?xml version="1.0" encoding="utf-8"?>
 <p:sld xmlns:a="http://schemas.openxmlformats.org/drawingml/2006/main" xmlns:r="http://schemas.openxmlformats.org/officeDocument/2006/relationships" xmlns:p="http://schemas.openxmlformats.org/presentationml/2006/main">
   <p:cSld>
     <p:spTree>
@@ -3643,7 +3758,7 @@
 </p:sld>
 </file>
 
-<file path=ppt/slides/slide13.xml><?xml version="1.0" encoding="utf-8"?>
+<file path=ppt/slides/slide14.xml><?xml version="1.0" encoding="utf-8"?>
 <p:sld xmlns:a="http://schemas.openxmlformats.org/drawingml/2006/main" xmlns:r="http://schemas.openxmlformats.org/officeDocument/2006/relationships" xmlns:p="http://schemas.openxmlformats.org/presentationml/2006/main">
   <p:cSld>
     <p:spTree>
@@ -3753,7 +3868,7 @@
 </p:sld>
 </file>
 
-<file path=ppt/slides/slide14.xml><?xml version="1.0" encoding="utf-8"?>
+<file path=ppt/slides/slide15.xml><?xml version="1.0" encoding="utf-8"?>
 <p:sld xmlns:a="http://schemas.openxmlformats.org/drawingml/2006/main" xmlns:r="http://schemas.openxmlformats.org/officeDocument/2006/relationships" xmlns:p="http://schemas.openxmlformats.org/presentationml/2006/main">
   <p:cSld>
     <p:spTree>
@@ -3923,7 +4038,7 @@
 </p:sld>
 </file>
 
-<file path=ppt/slides/slide15.xml><?xml version="1.0" encoding="utf-8"?>
+<file path=ppt/slides/slide16.xml><?xml version="1.0" encoding="utf-8"?>
 <p:sld xmlns:a="http://schemas.openxmlformats.org/drawingml/2006/main" xmlns:r="http://schemas.openxmlformats.org/officeDocument/2006/relationships" xmlns:p="http://schemas.openxmlformats.org/presentationml/2006/main">
   <p:cSld>
     <p:spTree>
@@ -4033,7 +4148,7 @@
 </p:sld>
 </file>
 
-<file path=ppt/slides/slide16.xml><?xml version="1.0" encoding="utf-8"?>
+<file path=ppt/slides/slide17.xml><?xml version="1.0" encoding="utf-8"?>
 <p:sld xmlns:a="http://schemas.openxmlformats.org/drawingml/2006/main" xmlns:r="http://schemas.openxmlformats.org/officeDocument/2006/relationships" xmlns:p="http://schemas.openxmlformats.org/presentationml/2006/main">
   <p:cSld>
     <p:spTree>
@@ -4143,7 +4258,7 @@
 </p:sld>
 </file>
 
-<file path=ppt/slides/slide17.xml><?xml version="1.0" encoding="utf-8"?>
+<file path=ppt/slides/slide18.xml><?xml version="1.0" encoding="utf-8"?>
 <p:sld xmlns:a="http://schemas.openxmlformats.org/drawingml/2006/main" xmlns:r="http://schemas.openxmlformats.org/officeDocument/2006/relationships" xmlns:p="http://schemas.openxmlformats.org/presentationml/2006/main">
   <p:cSld>
     <p:spTree>
@@ -4253,7 +4368,7 @@
 </p:sld>
 </file>
 
-<file path=ppt/slides/slide18.xml><?xml version="1.0" encoding="utf-8"?>
+<file path=ppt/slides/slide19.xml><?xml version="1.0" encoding="utf-8"?>
 <p:sld xmlns:a="http://schemas.openxmlformats.org/drawingml/2006/main" xmlns:r="http://schemas.openxmlformats.org/officeDocument/2006/relationships" xmlns:p="http://schemas.openxmlformats.org/presentationml/2006/main">
   <p:cSld>
     <p:spTree>
@@ -4313,7 +4428,106 @@
 </p:sld>
 </file>
 
-<file path=ppt/slides/slide19.xml><?xml version="1.0" encoding="utf-8"?>
+<file path=ppt/slides/slide2.xml><?xml version="1.0" encoding="utf-8"?>
+<p:sld xmlns:a="http://schemas.openxmlformats.org/drawingml/2006/main" xmlns:r="http://schemas.openxmlformats.org/officeDocument/2006/relationships" xmlns:p="http://schemas.openxmlformats.org/presentationml/2006/main">
+  <p:cSld>
+    <p:spTree>
+      <p:nvGrpSpPr>
+        <p:cNvPr id="1" name=""/>
+        <p:cNvGrpSpPr/>
+        <p:nvPr/>
+      </p:nvGrpSpPr>
+      <p:grpSpPr>
+        <a:xfrm>
+          <a:off x="0" y="0"/>
+          <a:ext cx="0" cy="0"/>
+          <a:chOff x="0" y="0"/>
+          <a:chExt cx="0" cy="0"/>
+        </a:xfrm>
+      </p:grpSpPr>
+      <p:sp>
+        <p:nvSpPr>
+          <p:cNvPr id="2" name="Title 1">
+            <a:extLst>
+              <a:ext uri="{FF2B5EF4-FFF2-40B4-BE49-F238E27FC236}">
+                <a16:creationId xmlns:a16="http://schemas.microsoft.com/office/drawing/2014/main" id="{C833C18D-CCEF-FFC5-4B4C-24A280075D14}"/>
+              </a:ext>
+            </a:extLst>
+          </p:cNvPr>
+          <p:cNvSpPr>
+            <a:spLocks noGrp="1"/>
+          </p:cNvSpPr>
+          <p:nvPr>
+            <p:ph type="title"/>
+          </p:nvPr>
+        </p:nvSpPr>
+        <p:spPr/>
+        <p:txBody>
+          <a:bodyPr/>
+          <a:lstStyle/>
+          <a:p>
+            <a:r>
+              <a:rPr lang="en-IN" b="1" dirty="0"/>
+              <a:t>INTRODUCTION</a:t>
+            </a:r>
+          </a:p>
+        </p:txBody>
+      </p:sp>
+      <p:sp>
+        <p:nvSpPr>
+          <p:cNvPr id="3" name="Content Placeholder 2">
+            <a:extLst>
+              <a:ext uri="{FF2B5EF4-FFF2-40B4-BE49-F238E27FC236}">
+                <a16:creationId xmlns:a16="http://schemas.microsoft.com/office/drawing/2014/main" id="{E907E303-8454-288B-52F7-B0EC592ED4D0}"/>
+              </a:ext>
+            </a:extLst>
+          </p:cNvPr>
+          <p:cNvSpPr>
+            <a:spLocks noGrp="1"/>
+          </p:cNvSpPr>
+          <p:nvPr>
+            <p:ph idx="1"/>
+          </p:nvPr>
+        </p:nvSpPr>
+        <p:spPr/>
+        <p:txBody>
+          <a:bodyPr>
+            <a:normAutofit/>
+          </a:bodyPr>
+          <a:lstStyle/>
+          <a:p>
+            <a:pPr marL="0" indent="0">
+              <a:buNone/>
+            </a:pPr>
+            <a:r>
+              <a:rPr lang="en-US" i="0" dirty="0">
+                <a:effectLst/>
+                <a:latin typeface="Arial" panose="020B0604020202020204" pitchFamily="34" charset="0"/>
+                <a:cs typeface="Arial" panose="020B0604020202020204" pitchFamily="34" charset="0"/>
+              </a:rPr>
+              <a:t>Traycer is an AI-powered coding assistant that transforms how you handle coding tasks. With its Tasks feature, Traycer helps you define objectives, generate actionable plans, and implement changes seamlessly. Whether you need to fix bugs, refactor code, or create new features, Traycer analyzes your input and automates the process while keeping you in control. Alongside tasks, Traycer offers real-time, context-aware Reviews, identifying issues, optimizing performance, and improving code quality—all without disrupting your workflow.</a:t>
+            </a:r>
+            <a:endParaRPr lang="en-IN" dirty="0">
+              <a:latin typeface="Arial" panose="020B0604020202020204" pitchFamily="34" charset="0"/>
+              <a:cs typeface="Arial" panose="020B0604020202020204" pitchFamily="34" charset="0"/>
+            </a:endParaRPr>
+          </a:p>
+        </p:txBody>
+      </p:sp>
+    </p:spTree>
+    <p:extLst>
+      <p:ext uri="{BB962C8B-B14F-4D97-AF65-F5344CB8AC3E}">
+        <p14:creationId xmlns:p14="http://schemas.microsoft.com/office/powerpoint/2010/main" val="1407455844"/>
+      </p:ext>
+    </p:extLst>
+  </p:cSld>
+  <p:clrMapOvr>
+    <a:masterClrMapping/>
+  </p:clrMapOvr>
+</p:sld>
+</file>
+
+<file path=ppt/slides/slide20.xml><?xml version="1.0" encoding="utf-8"?>
 <p:sld xmlns:a="http://schemas.openxmlformats.org/drawingml/2006/main" xmlns:r="http://schemas.openxmlformats.org/officeDocument/2006/relationships" xmlns:p="http://schemas.openxmlformats.org/presentationml/2006/main">
   <p:cSld>
     <p:spTree>
@@ -4373,7 +4587,7 @@
 </p:sld>
 </file>
 
-<file path=ppt/slides/slide2.xml><?xml version="1.0" encoding="utf-8"?>
+<file path=ppt/slides/slide21.xml><?xml version="1.0" encoding="utf-8"?>
 <p:sld xmlns:a="http://schemas.openxmlformats.org/drawingml/2006/main" xmlns:r="http://schemas.openxmlformats.org/officeDocument/2006/relationships" xmlns:p="http://schemas.openxmlformats.org/presentationml/2006/main">
   <p:cSld>
     <p:spTree>
@@ -4395,7 +4609,7 @@
           <p:cNvPr id="2" name="Title 1">
             <a:extLst>
               <a:ext uri="{FF2B5EF4-FFF2-40B4-BE49-F238E27FC236}">
-                <a16:creationId xmlns:a16="http://schemas.microsoft.com/office/drawing/2014/main" id="{C833C18D-CCEF-FFC5-4B4C-24A280075D14}"/>
+                <a16:creationId xmlns:a16="http://schemas.microsoft.com/office/drawing/2014/main" id="{2AB35C91-5771-97CB-007D-93FD2ACB18D1}"/>
               </a:ext>
             </a:extLst>
           </p:cNvPr>
@@ -4406,63 +4620,512 @@
             <p:ph type="title"/>
           </p:nvPr>
         </p:nvSpPr>
-        <p:spPr/>
-        <p:txBody>
-          <a:bodyPr/>
-          <a:lstStyle/>
-          <a:p>
-            <a:r>
-              <a:rPr lang="en-IN" b="1" dirty="0"/>
-              <a:t>INTRODUCTION</a:t>
-            </a:r>
-          </a:p>
-        </p:txBody>
-      </p:sp>
-      <p:sp>
-        <p:nvSpPr>
-          <p:cNvPr id="3" name="Content Placeholder 2">
-            <a:extLst>
-              <a:ext uri="{FF2B5EF4-FFF2-40B4-BE49-F238E27FC236}">
-                <a16:creationId xmlns:a16="http://schemas.microsoft.com/office/drawing/2014/main" id="{E907E303-8454-288B-52F7-B0EC592ED4D0}"/>
-              </a:ext>
-            </a:extLst>
-          </p:cNvPr>
-          <p:cNvSpPr>
-            <a:spLocks noGrp="1"/>
-          </p:cNvSpPr>
-          <p:nvPr>
-            <p:ph idx="1"/>
-          </p:nvPr>
-        </p:nvSpPr>
-        <p:spPr/>
+        <p:spPr>
+          <a:xfrm>
+            <a:off x="667512" y="365125"/>
+            <a:ext cx="10686288" cy="1325563"/>
+          </a:xfrm>
+        </p:spPr>
         <p:txBody>
           <a:bodyPr>
-            <a:normAutofit/>
+            <a:normAutofit fontScale="90000"/>
           </a:bodyPr>
           <a:lstStyle/>
           <a:p>
-            <a:pPr marL="0" indent="0">
-              <a:buNone/>
-            </a:pPr>
-            <a:r>
-              <a:rPr lang="en-US" i="0" dirty="0">
+            <a:r>
+              <a:rPr lang="en-IN" sz="2400" b="1" dirty="0">
+                <a:latin typeface="Arial Black" panose="020B0A04020102020204" pitchFamily="34" charset="0"/>
+              </a:rPr>
+              <a:t>Manage all </a:t>
+            </a:r>
+            <a:r>
+              <a:rPr lang="en-IN" sz="2400" b="1" dirty="0" err="1">
+                <a:latin typeface="Arial Black" panose="020B0A04020102020204" pitchFamily="34" charset="0"/>
+              </a:rPr>
+              <a:t>Github</a:t>
+            </a:r>
+            <a:r>
+              <a:rPr lang="en-IN" sz="2400" b="1" dirty="0">
+                <a:latin typeface="Arial Black" panose="020B0A04020102020204" pitchFamily="34" charset="0"/>
+              </a:rPr>
+              <a:t> Repositories with platform.traycer.ai</a:t>
+            </a:r>
+            <a:br>
+              <a:rPr lang="en-IN" sz="2400" b="1" dirty="0">
+                <a:latin typeface="Arial Black" panose="020B0A04020102020204" pitchFamily="34" charset="0"/>
+              </a:rPr>
+            </a:br>
+            <a:br>
+              <a:rPr lang="en-IN" sz="2400" b="1" dirty="0">
+                <a:latin typeface="Arial Black" panose="020B0A04020102020204" pitchFamily="34" charset="0"/>
+              </a:rPr>
+            </a:br>
+            <a:r>
+              <a:rPr lang="en-US" sz="2000" b="0" i="0" dirty="0">
+                <a:solidFill>
+                  <a:srgbClr val="000000"/>
+                </a:solidFill>
                 <a:effectLst/>
                 <a:latin typeface="Arial" panose="020B0604020202020204" pitchFamily="34" charset="0"/>
                 <a:cs typeface="Arial" panose="020B0604020202020204" pitchFamily="34" charset="0"/>
               </a:rPr>
-              <a:t>Traycer is an AI-powered coding assistant that transforms how you handle coding tasks. With its Tasks feature, Traycer helps you define objectives, generate actionable plans, and implement changes seamlessly. Whether you need to fix bugs, refactor code, or create new features, Traycer analyzes your input and automates the process while keeping you in control. Alongside tasks, Traycer offers real-time, context-aware Reviews, identifying issues, optimizing performance, and improving code quality—all without disrupting your workflow.</a:t>
-            </a:r>
-            <a:endParaRPr lang="en-IN" dirty="0">
+              <a:t>The ticket assist feature will automatically compute plans and post it as a comment directly on your GitHub Issue.</a:t>
+            </a:r>
+            <a:br>
+              <a:rPr lang="en-US" sz="2000" b="0" i="0" dirty="0">
+                <a:solidFill>
+                  <a:srgbClr val="000000"/>
+                </a:solidFill>
+                <a:effectLst/>
+                <a:latin typeface="Arial" panose="020B0604020202020204" pitchFamily="34" charset="0"/>
+                <a:cs typeface="Arial" panose="020B0604020202020204" pitchFamily="34" charset="0"/>
+              </a:rPr>
+            </a:br>
+            <a:r>
+              <a:rPr lang="en-US" sz="2000" dirty="0">
+                <a:solidFill>
+                  <a:srgbClr val="000000"/>
+                </a:solidFill>
+                <a:latin typeface="Arial" panose="020B0604020202020204" pitchFamily="34" charset="0"/>
+                <a:cs typeface="Arial" panose="020B0604020202020204" pitchFamily="34" charset="0"/>
+              </a:rPr>
+              <a:t>For this feature to work we need read permission on your repository. Traycer gets installed as a GitHub App.</a:t>
+            </a:r>
+            <a:endParaRPr lang="en-IN" sz="2000" dirty="0">
+              <a:solidFill>
+                <a:srgbClr val="000000"/>
+              </a:solidFill>
               <a:latin typeface="Arial" panose="020B0604020202020204" pitchFamily="34" charset="0"/>
               <a:cs typeface="Arial" panose="020B0604020202020204" pitchFamily="34" charset="0"/>
             </a:endParaRPr>
           </a:p>
         </p:txBody>
       </p:sp>
+      <p:pic>
+        <p:nvPicPr>
+          <p:cNvPr id="5" name="Content Placeholder 4">
+            <a:extLst>
+              <a:ext uri="{FF2B5EF4-FFF2-40B4-BE49-F238E27FC236}">
+                <a16:creationId xmlns:a16="http://schemas.microsoft.com/office/drawing/2014/main" id="{F9A1EC1B-224B-F0FC-AB9B-6701773EBCB7}"/>
+              </a:ext>
+            </a:extLst>
+          </p:cNvPr>
+          <p:cNvPicPr>
+            <a:picLocks noGrp="1" noChangeAspect="1"/>
+          </p:cNvPicPr>
+          <p:nvPr>
+            <p:ph idx="1"/>
+          </p:nvPr>
+        </p:nvPicPr>
+        <p:blipFill>
+          <a:blip r:embed="rId2"/>
+          <a:stretch>
+            <a:fillRect/>
+          </a:stretch>
+        </p:blipFill>
+        <p:spPr>
+          <a:xfrm>
+            <a:off x="1042416" y="1923234"/>
+            <a:ext cx="8448130" cy="4646921"/>
+          </a:xfrm>
+        </p:spPr>
+      </p:pic>
     </p:spTree>
     <p:extLst>
       <p:ext uri="{BB962C8B-B14F-4D97-AF65-F5344CB8AC3E}">
-        <p14:creationId xmlns:p14="http://schemas.microsoft.com/office/powerpoint/2010/main" val="1407455844"/>
+        <p14:creationId xmlns:p14="http://schemas.microsoft.com/office/powerpoint/2010/main" val="572643405"/>
+      </p:ext>
+    </p:extLst>
+  </p:cSld>
+  <p:clrMapOvr>
+    <a:masterClrMapping/>
+  </p:clrMapOvr>
+</p:sld>
+</file>
+
+<file path=ppt/slides/slide22.xml><?xml version="1.0" encoding="utf-8"?>
+<p:sld xmlns:a="http://schemas.openxmlformats.org/drawingml/2006/main" xmlns:r="http://schemas.openxmlformats.org/officeDocument/2006/relationships" xmlns:p="http://schemas.openxmlformats.org/presentationml/2006/main">
+  <p:cSld>
+    <p:spTree>
+      <p:nvGrpSpPr>
+        <p:cNvPr id="1" name=""/>
+        <p:cNvGrpSpPr/>
+        <p:nvPr/>
+      </p:nvGrpSpPr>
+      <p:grpSpPr>
+        <a:xfrm>
+          <a:off x="0" y="0"/>
+          <a:ext cx="0" cy="0"/>
+          <a:chOff x="0" y="0"/>
+          <a:chExt cx="0" cy="0"/>
+        </a:xfrm>
+      </p:grpSpPr>
+      <p:sp>
+        <p:nvSpPr>
+          <p:cNvPr id="2" name="Title 1">
+            <a:extLst>
+              <a:ext uri="{FF2B5EF4-FFF2-40B4-BE49-F238E27FC236}">
+                <a16:creationId xmlns:a16="http://schemas.microsoft.com/office/drawing/2014/main" id="{F6343BF0-BC45-82E8-D2F0-E450396A3D0F}"/>
+              </a:ext>
+            </a:extLst>
+          </p:cNvPr>
+          <p:cNvSpPr>
+            <a:spLocks noGrp="1"/>
+          </p:cNvSpPr>
+          <p:nvPr>
+            <p:ph type="title"/>
+          </p:nvPr>
+        </p:nvSpPr>
+        <p:spPr/>
+        <p:txBody>
+          <a:bodyPr/>
+          <a:lstStyle/>
+          <a:p>
+            <a:r>
+              <a:rPr lang="en-IN" dirty="0"/>
+              <a:t>Chat support available on Traycer Platform </a:t>
+            </a:r>
+          </a:p>
+        </p:txBody>
+      </p:sp>
+      <p:pic>
+        <p:nvPicPr>
+          <p:cNvPr id="5" name="Content Placeholder 4">
+            <a:extLst>
+              <a:ext uri="{FF2B5EF4-FFF2-40B4-BE49-F238E27FC236}">
+                <a16:creationId xmlns:a16="http://schemas.microsoft.com/office/drawing/2014/main" id="{98097C73-B861-A68D-5808-1779A30C4E58}"/>
+              </a:ext>
+            </a:extLst>
+          </p:cNvPr>
+          <p:cNvPicPr>
+            <a:picLocks noGrp="1" noChangeAspect="1"/>
+          </p:cNvPicPr>
+          <p:nvPr>
+            <p:ph idx="1"/>
+          </p:nvPr>
+        </p:nvPicPr>
+        <p:blipFill>
+          <a:blip r:embed="rId2"/>
+          <a:stretch>
+            <a:fillRect/>
+          </a:stretch>
+        </p:blipFill>
+        <p:spPr>
+          <a:xfrm>
+            <a:off x="1033273" y="1563624"/>
+            <a:ext cx="9067284" cy="4613339"/>
+          </a:xfrm>
+        </p:spPr>
+      </p:pic>
+    </p:spTree>
+    <p:extLst>
+      <p:ext uri="{BB962C8B-B14F-4D97-AF65-F5344CB8AC3E}">
+        <p14:creationId xmlns:p14="http://schemas.microsoft.com/office/powerpoint/2010/main" val="4220832048"/>
+      </p:ext>
+    </p:extLst>
+  </p:cSld>
+  <p:clrMapOvr>
+    <a:masterClrMapping/>
+  </p:clrMapOvr>
+</p:sld>
+</file>
+
+<file path=ppt/slides/slide23.xml><?xml version="1.0" encoding="utf-8"?>
+<p:sld xmlns:a="http://schemas.openxmlformats.org/drawingml/2006/main" xmlns:r="http://schemas.openxmlformats.org/officeDocument/2006/relationships" xmlns:p="http://schemas.openxmlformats.org/presentationml/2006/main">
+  <p:cSld>
+    <p:spTree>
+      <p:nvGrpSpPr>
+        <p:cNvPr id="1" name=""/>
+        <p:cNvGrpSpPr/>
+        <p:nvPr/>
+      </p:nvGrpSpPr>
+      <p:grpSpPr>
+        <a:xfrm>
+          <a:off x="0" y="0"/>
+          <a:ext cx="0" cy="0"/>
+          <a:chOff x="0" y="0"/>
+          <a:chExt cx="0" cy="0"/>
+        </a:xfrm>
+      </p:grpSpPr>
+      <p:sp>
+        <p:nvSpPr>
+          <p:cNvPr id="2" name="Title 1">
+            <a:extLst>
+              <a:ext uri="{FF2B5EF4-FFF2-40B4-BE49-F238E27FC236}">
+                <a16:creationId xmlns:a16="http://schemas.microsoft.com/office/drawing/2014/main" id="{7EC21371-D874-2743-966C-EE2F13E3571E}"/>
+              </a:ext>
+            </a:extLst>
+          </p:cNvPr>
+          <p:cNvSpPr>
+            <a:spLocks noGrp="1"/>
+          </p:cNvSpPr>
+          <p:nvPr>
+            <p:ph type="title"/>
+          </p:nvPr>
+        </p:nvSpPr>
+        <p:spPr/>
+        <p:txBody>
+          <a:bodyPr/>
+          <a:lstStyle/>
+          <a:p>
+            <a:r>
+              <a:rPr lang="en-IN" dirty="0"/>
+              <a:t>Privacy with Platform.traycer.ai</a:t>
+            </a:r>
+          </a:p>
+        </p:txBody>
+      </p:sp>
+      <p:sp>
+        <p:nvSpPr>
+          <p:cNvPr id="3" name="Content Placeholder 2">
+            <a:extLst>
+              <a:ext uri="{FF2B5EF4-FFF2-40B4-BE49-F238E27FC236}">
+                <a16:creationId xmlns:a16="http://schemas.microsoft.com/office/drawing/2014/main" id="{208D67A9-1837-52E6-5FD5-AC1E8DFE31AE}"/>
+              </a:ext>
+            </a:extLst>
+          </p:cNvPr>
+          <p:cNvSpPr>
+            <a:spLocks noGrp="1"/>
+          </p:cNvSpPr>
+          <p:nvPr>
+            <p:ph idx="1"/>
+          </p:nvPr>
+        </p:nvSpPr>
+        <p:spPr/>
+        <p:txBody>
+          <a:bodyPr/>
+          <a:lstStyle/>
+          <a:p>
+            <a:r>
+              <a:rPr lang="en-US" b="0" i="0" dirty="0">
+                <a:solidFill>
+                  <a:srgbClr val="000000"/>
+                </a:solidFill>
+                <a:effectLst/>
+                <a:latin typeface="system-ui"/>
+              </a:rPr>
+              <a:t>We don’t store the codebase longer than we need. We clone it in a temporary secure environment while computing the plan.</a:t>
+            </a:r>
+            <a:endParaRPr lang="en-IN" dirty="0"/>
+          </a:p>
+        </p:txBody>
+      </p:sp>
+    </p:spTree>
+    <p:extLst>
+      <p:ext uri="{BB962C8B-B14F-4D97-AF65-F5344CB8AC3E}">
+        <p14:creationId xmlns:p14="http://schemas.microsoft.com/office/powerpoint/2010/main" val="1566055087"/>
+      </p:ext>
+    </p:extLst>
+  </p:cSld>
+  <p:clrMapOvr>
+    <a:masterClrMapping/>
+  </p:clrMapOvr>
+</p:sld>
+</file>
+
+<file path=ppt/slides/slide24.xml><?xml version="1.0" encoding="utf-8"?>
+<p:sld xmlns:a="http://schemas.openxmlformats.org/drawingml/2006/main" xmlns:r="http://schemas.openxmlformats.org/officeDocument/2006/relationships" xmlns:p="http://schemas.openxmlformats.org/presentationml/2006/main">
+  <p:cSld>
+    <p:spTree>
+      <p:nvGrpSpPr>
+        <p:cNvPr id="1" name=""/>
+        <p:cNvGrpSpPr/>
+        <p:nvPr/>
+      </p:nvGrpSpPr>
+      <p:grpSpPr>
+        <a:xfrm>
+          <a:off x="0" y="0"/>
+          <a:ext cx="0" cy="0"/>
+          <a:chOff x="0" y="0"/>
+          <a:chExt cx="0" cy="0"/>
+        </a:xfrm>
+      </p:grpSpPr>
+      <p:sp>
+        <p:nvSpPr>
+          <p:cNvPr id="2" name="Title 1">
+            <a:extLst>
+              <a:ext uri="{FF2B5EF4-FFF2-40B4-BE49-F238E27FC236}">
+                <a16:creationId xmlns:a16="http://schemas.microsoft.com/office/drawing/2014/main" id="{CA566914-6659-07EE-699B-60C4CF675E1C}"/>
+              </a:ext>
+            </a:extLst>
+          </p:cNvPr>
+          <p:cNvSpPr>
+            <a:spLocks noGrp="1"/>
+          </p:cNvSpPr>
+          <p:nvPr>
+            <p:ph type="title"/>
+          </p:nvPr>
+        </p:nvSpPr>
+        <p:spPr/>
+        <p:txBody>
+          <a:bodyPr/>
+          <a:lstStyle/>
+          <a:p>
+            <a:r>
+              <a:rPr lang="en-IN" dirty="0"/>
+              <a:t>Open – Source capabilities </a:t>
+            </a:r>
+          </a:p>
+        </p:txBody>
+      </p:sp>
+      <p:sp>
+        <p:nvSpPr>
+          <p:cNvPr id="3" name="Content Placeholder 2">
+            <a:extLst>
+              <a:ext uri="{FF2B5EF4-FFF2-40B4-BE49-F238E27FC236}">
+                <a16:creationId xmlns:a16="http://schemas.microsoft.com/office/drawing/2014/main" id="{C8977508-9C48-55DF-FE03-C6191C2BD62B}"/>
+              </a:ext>
+            </a:extLst>
+          </p:cNvPr>
+          <p:cNvSpPr>
+            <a:spLocks noGrp="1"/>
+          </p:cNvSpPr>
+          <p:nvPr>
+            <p:ph idx="1"/>
+          </p:nvPr>
+        </p:nvSpPr>
+        <p:spPr/>
+        <p:txBody>
+          <a:bodyPr>
+            <a:normAutofit fontScale="92500" lnSpcReduction="10000"/>
+          </a:bodyPr>
+          <a:lstStyle/>
+          <a:p>
+            <a:pPr algn="l">
+              <a:spcAft>
+                <a:spcPts val="750"/>
+              </a:spcAft>
+              <a:buNone/>
+            </a:pPr>
+            <a:r>
+              <a:rPr lang="en-US" b="0" i="0" dirty="0">
+                <a:solidFill>
+                  <a:srgbClr val="000000"/>
+                </a:solidFill>
+                <a:effectLst/>
+                <a:latin typeface="system-ui"/>
+              </a:rPr>
+              <a:t>Traycer AI is not entirely open source, but we do offer an Open Source </a:t>
+            </a:r>
+            <a:r>
+              <a:rPr lang="en-US" b="0" i="0" dirty="0" err="1">
+                <a:solidFill>
+                  <a:srgbClr val="000000"/>
+                </a:solidFill>
+                <a:effectLst/>
+                <a:latin typeface="system-ui"/>
+              </a:rPr>
+              <a:t>plan.This</a:t>
+            </a:r>
+            <a:r>
+              <a:rPr lang="en-US" b="0" i="0" dirty="0">
+                <a:solidFill>
+                  <a:srgbClr val="000000"/>
+                </a:solidFill>
+                <a:effectLst/>
+                <a:latin typeface="system-ui"/>
+              </a:rPr>
+              <a:t> plan is free forever with reasonable rate limits and includes:</a:t>
+            </a:r>
+          </a:p>
+          <a:p>
+            <a:pPr algn="l">
+              <a:spcAft>
+                <a:spcPts val="750"/>
+              </a:spcAft>
+              <a:buNone/>
+            </a:pPr>
+            <a:r>
+              <a:rPr lang="en-US" b="0" i="0" dirty="0">
+                <a:solidFill>
+                  <a:srgbClr val="000000"/>
+                </a:solidFill>
+                <a:effectLst/>
+                <a:latin typeface="system-ui"/>
+              </a:rPr>
+              <a:t>• Creating tasks on open-source code</a:t>
+            </a:r>
+          </a:p>
+          <a:p>
+            <a:pPr algn="l">
+              <a:spcAft>
+                <a:spcPts val="750"/>
+              </a:spcAft>
+              <a:buNone/>
+            </a:pPr>
+            <a:r>
+              <a:rPr lang="en-US" b="0" i="0" dirty="0">
+                <a:solidFill>
+                  <a:srgbClr val="000000"/>
+                </a:solidFill>
+                <a:effectLst/>
+                <a:latin typeface="system-ui"/>
+              </a:rPr>
+              <a:t>• Single file reviews on open-source code</a:t>
+            </a:r>
+          </a:p>
+          <a:p>
+            <a:pPr algn="l">
+              <a:spcAft>
+                <a:spcPts val="750"/>
+              </a:spcAft>
+              <a:buNone/>
+            </a:pPr>
+            <a:r>
+              <a:rPr lang="en-US" b="0" i="0" dirty="0">
+                <a:solidFill>
+                  <a:srgbClr val="000000"/>
+                </a:solidFill>
+                <a:effectLst/>
+                <a:latin typeface="system-ui"/>
+              </a:rPr>
+              <a:t>• Community support</a:t>
+            </a:r>
+          </a:p>
+          <a:p>
+            <a:pPr algn="l">
+              <a:spcAft>
+                <a:spcPts val="750"/>
+              </a:spcAft>
+              <a:buNone/>
+            </a:pPr>
+            <a:r>
+              <a:rPr lang="en-US" b="0" i="0" dirty="0">
+                <a:solidFill>
+                  <a:srgbClr val="000000"/>
+                </a:solidFill>
+                <a:effectLst/>
+                <a:latin typeface="system-ui"/>
+              </a:rPr>
+              <a:t>• A two-week Pro trial</a:t>
+            </a:r>
+          </a:p>
+          <a:p>
+            <a:pPr algn="l">
+              <a:spcAft>
+                <a:spcPts val="750"/>
+              </a:spcAft>
+            </a:pPr>
+            <a:r>
+              <a:rPr lang="en-US" b="0" i="0" dirty="0">
+                <a:solidFill>
+                  <a:srgbClr val="000000"/>
+                </a:solidFill>
+                <a:effectLst/>
+                <a:latin typeface="system-ui"/>
+              </a:rPr>
+              <a:t>The Open Source plan has a capacity of 1 task with a recharge rate of 1 task per hour. For more extensive use or work on private code, we offer paid plans like Lite and Pro with additional features and higher rate limits.</a:t>
+            </a:r>
+          </a:p>
+          <a:p>
+            <a:endParaRPr lang="en-IN" dirty="0"/>
+          </a:p>
+        </p:txBody>
+      </p:sp>
+    </p:spTree>
+    <p:extLst>
+      <p:ext uri="{BB962C8B-B14F-4D97-AF65-F5344CB8AC3E}">
+        <p14:creationId xmlns:p14="http://schemas.microsoft.com/office/powerpoint/2010/main" val="2204803513"/>
       </p:ext>
     </p:extLst>
   </p:cSld>
@@ -5462,7 +6125,7 @@
           <p:cNvPr id="2" name="Title 1">
             <a:extLst>
               <a:ext uri="{FF2B5EF4-FFF2-40B4-BE49-F238E27FC236}">
-                <a16:creationId xmlns:a16="http://schemas.microsoft.com/office/drawing/2014/main" id="{729AFBE5-74AC-95AC-EC63-0832747A88A5}"/>
+                <a16:creationId xmlns:a16="http://schemas.microsoft.com/office/drawing/2014/main" id="{F2BC1009-75AB-E9D7-71D3-D63BDC502532}"/>
               </a:ext>
             </a:extLst>
           </p:cNvPr>
@@ -5482,7 +6145,7 @@
               <a:rPr lang="en-IN" b="1" dirty="0">
                 <a:latin typeface="Arial Black" panose="020B0A04020102020204" pitchFamily="34" charset="0"/>
               </a:rPr>
-              <a:t>Screenshots : </a:t>
+              <a:t>Privacy</a:t>
             </a:r>
           </a:p>
         </p:txBody>
@@ -5492,7 +6155,7 @@
           <p:cNvPr id="5" name="Content Placeholder 4">
             <a:extLst>
               <a:ext uri="{FF2B5EF4-FFF2-40B4-BE49-F238E27FC236}">
-                <a16:creationId xmlns:a16="http://schemas.microsoft.com/office/drawing/2014/main" id="{5859F4B4-45B5-BC9C-F097-5A0C9F325CEC}"/>
+                <a16:creationId xmlns:a16="http://schemas.microsoft.com/office/drawing/2014/main" id="{8D6EBCA3-D433-4843-7B6B-973AB34A0FD1}"/>
               </a:ext>
             </a:extLst>
           </p:cNvPr>
@@ -5511,15 +6174,15 @@
         </p:blipFill>
         <p:spPr>
           <a:xfrm>
-            <a:off x="1060704" y="1481327"/>
-            <a:ext cx="9262872" cy="4695635"/>
+            <a:off x="722376" y="1291419"/>
+            <a:ext cx="9687929" cy="4885544"/>
           </a:xfrm>
         </p:spPr>
       </p:pic>
     </p:spTree>
     <p:extLst>
       <p:ext uri="{BB962C8B-B14F-4D97-AF65-F5344CB8AC3E}">
-        <p14:creationId xmlns:p14="http://schemas.microsoft.com/office/powerpoint/2010/main" val="3670518095"/>
+        <p14:creationId xmlns:p14="http://schemas.microsoft.com/office/powerpoint/2010/main" val="2782059083"/>
       </p:ext>
     </p:extLst>
   </p:cSld>
@@ -5551,7 +6214,7 @@
           <p:cNvPr id="2" name="Title 1">
             <a:extLst>
               <a:ext uri="{FF2B5EF4-FFF2-40B4-BE49-F238E27FC236}">
-                <a16:creationId xmlns:a16="http://schemas.microsoft.com/office/drawing/2014/main" id="{00857F86-6C81-3C0D-1179-218D8669600F}"/>
+                <a16:creationId xmlns:a16="http://schemas.microsoft.com/office/drawing/2014/main" id="{729AFBE5-74AC-95AC-EC63-0832747A88A5}"/>
               </a:ext>
             </a:extLst>
           </p:cNvPr>
@@ -5567,48 +6230,30 @@
           <a:bodyPr/>
           <a:lstStyle/>
           <a:p>
-            <a:endParaRPr lang="en-IN" dirty="0"/>
-          </a:p>
-        </p:txBody>
-      </p:sp>
-      <p:sp>
-        <p:nvSpPr>
-          <p:cNvPr id="3" name="Content Placeholder 2">
-            <a:extLst>
-              <a:ext uri="{FF2B5EF4-FFF2-40B4-BE49-F238E27FC236}">
-                <a16:creationId xmlns:a16="http://schemas.microsoft.com/office/drawing/2014/main" id="{2A0185E3-4F14-E05A-57AE-A01EE65B3DDC}"/>
-              </a:ext>
-            </a:extLst>
-          </p:cNvPr>
-          <p:cNvSpPr>
-            <a:spLocks noGrp="1"/>
-          </p:cNvSpPr>
-          <p:nvPr>
-            <p:ph idx="1"/>
-          </p:nvPr>
-        </p:nvSpPr>
-        <p:spPr/>
-        <p:txBody>
-          <a:bodyPr/>
-          <a:lstStyle/>
-          <a:p>
-            <a:endParaRPr lang="en-IN"/>
+            <a:r>
+              <a:rPr lang="en-IN" b="1" dirty="0">
+                <a:latin typeface="Arial Black" panose="020B0A04020102020204" pitchFamily="34" charset="0"/>
+              </a:rPr>
+              <a:t>Screenshots : </a:t>
+            </a:r>
           </a:p>
         </p:txBody>
       </p:sp>
       <p:pic>
         <p:nvPicPr>
-          <p:cNvPr id="5" name="Picture 4">
-            <a:extLst>
-              <a:ext uri="{FF2B5EF4-FFF2-40B4-BE49-F238E27FC236}">
-                <a16:creationId xmlns:a16="http://schemas.microsoft.com/office/drawing/2014/main" id="{28020672-8103-6BBF-80F7-CD508A141516}"/>
+          <p:cNvPr id="5" name="Content Placeholder 4">
+            <a:extLst>
+              <a:ext uri="{FF2B5EF4-FFF2-40B4-BE49-F238E27FC236}">
+                <a16:creationId xmlns:a16="http://schemas.microsoft.com/office/drawing/2014/main" id="{5859F4B4-45B5-BC9C-F097-5A0C9F325CEC}"/>
               </a:ext>
             </a:extLst>
           </p:cNvPr>
           <p:cNvPicPr>
-            <a:picLocks noChangeAspect="1"/>
+            <a:picLocks noGrp="1" noChangeAspect="1"/>
           </p:cNvPicPr>
-          <p:nvPr/>
+          <p:nvPr>
+            <p:ph idx="1"/>
+          </p:nvPr>
         </p:nvPicPr>
         <p:blipFill>
           <a:blip r:embed="rId2"/>
@@ -5618,18 +6263,15 @@
         </p:blipFill>
         <p:spPr>
           <a:xfrm>
-            <a:off x="838200" y="338833"/>
-            <a:ext cx="10637520" cy="6131974"/>
+            <a:off x="1060704" y="1481327"/>
+            <a:ext cx="9262872" cy="4695635"/>
           </a:xfrm>
-          <a:prstGeom prst="rect">
-            <a:avLst/>
-          </a:prstGeom>
         </p:spPr>
       </p:pic>
     </p:spTree>
     <p:extLst>
       <p:ext uri="{BB962C8B-B14F-4D97-AF65-F5344CB8AC3E}">
-        <p14:creationId xmlns:p14="http://schemas.microsoft.com/office/powerpoint/2010/main" val="2328600088"/>
+        <p14:creationId xmlns:p14="http://schemas.microsoft.com/office/powerpoint/2010/main" val="3670518095"/>
       </p:ext>
     </p:extLst>
   </p:cSld>
